--- a/zhouweixin-Chat More.pptx
+++ b/zhouweixin-Chat More.pptx
@@ -281,7 +281,7 @@
               <a:pPr>
                 <a:defRPr/>
               </a:pPr>
-              <a:t>2018/5/14</a:t>
+              <a:t>2018/5/16</a:t>
             </a:fld>
             <a:endParaRPr lang="zh-CN" altLang="en-US" sz="1200"/>
           </a:p>
@@ -1065,14 +1065,7 @@
                 <a:ea typeface="宋体" panose="02010600030101010101" pitchFamily="2" charset="-122"/>
                 <a:cs typeface="Arial" panose="020B0604020202020204" pitchFamily="34" charset="0"/>
               </a:rPr>
-              <a:t>objective </a:t>
-            </a:r>
-            <a:r>
-              <a:rPr lang="en-US" altLang="zh-CN" dirty="0" smtClean="0">
-                <a:ea typeface="宋体" panose="02010600030101010101" pitchFamily="2" charset="-122"/>
-                <a:cs typeface="Arial" panose="020B0604020202020204" pitchFamily="34" charset="0"/>
-              </a:rPr>
-              <a:t>of the deep channel is to choose the useful keywords from the context to deepen the topic of interest.</a:t>
+              <a:t>objective of the deep channel is to choose the useful keywords from the context to deepen the topic of interest.</a:t>
             </a:r>
             <a:endParaRPr lang="zh-CN" altLang="en-US" dirty="0" smtClean="0">
               <a:ea typeface="宋体" panose="02010600030101010101" pitchFamily="2" charset="-122"/>
@@ -1509,7 +1502,49 @@
                 <a:effectLst/>
                 <a:latin typeface="Arial" panose="020B0604020202020204" pitchFamily="34" charset="0"/>
               </a:rPr>
-              <a:t> have PPL, BLEU, Distinct-1.</a:t>
+              <a:t> have PPL, </a:t>
+            </a:r>
+            <a:r>
+              <a:rPr lang="en-US" altLang="zh-CN" sz="1200" b="0" kern="1200" baseline="0" dirty="0" smtClean="0">
+                <a:solidFill>
+                  <a:schemeClr val="tx1"/>
+                </a:solidFill>
+                <a:effectLst/>
+                <a:latin typeface="Arial" panose="020B0604020202020204" pitchFamily="34" charset="0"/>
+              </a:rPr>
+              <a:t>BLEU-n, </a:t>
+            </a:r>
+            <a:r>
+              <a:rPr lang="en-US" altLang="zh-CN" sz="1200" b="0" kern="1200" baseline="0" dirty="0" smtClean="0">
+                <a:solidFill>
+                  <a:schemeClr val="tx1"/>
+                </a:solidFill>
+                <a:effectLst/>
+                <a:latin typeface="Arial" panose="020B0604020202020204" pitchFamily="34" charset="0"/>
+              </a:rPr>
+              <a:t>Distinct-1</a:t>
+            </a:r>
+            <a:r>
+              <a:rPr lang="en-US" altLang="zh-CN" sz="1200" b="0" kern="1200" baseline="0" dirty="0" smtClean="0">
+                <a:solidFill>
+                  <a:schemeClr val="tx1"/>
+                </a:solidFill>
+                <a:effectLst/>
+                <a:latin typeface="Arial" panose="020B0604020202020204" pitchFamily="34" charset="0"/>
+              </a:rPr>
+              <a:t>.</a:t>
+            </a:r>
+          </a:p>
+          <a:p>
+            <a:r>
+              <a:rPr lang="en-US" altLang="zh-CN" sz="1200" b="0" kern="1200" baseline="0" dirty="0" smtClean="0">
+                <a:solidFill>
+                  <a:schemeClr val="tx1"/>
+                </a:solidFill>
+                <a:effectLst/>
+                <a:latin typeface="Arial" panose="020B0604020202020204" pitchFamily="34" charset="0"/>
+              </a:rPr>
+              <a:t>From the picture, we can find</a:t>
             </a:r>
             <a:endParaRPr lang="en-US" altLang="zh-CN" sz="1200" b="0" kern="1200" dirty="0" smtClean="0">
               <a:solidFill>
@@ -1670,6 +1705,38 @@
           <a:bodyPr/>
           <a:lstStyle/>
           <a:p>
+            <a:pPr marL="0" indent="0">
+              <a:buNone/>
+            </a:pPr>
+            <a:r>
+              <a:rPr lang="en-US" altLang="zh-CN" sz="1200" b="0" kern="1200" dirty="0" smtClean="0">
+                <a:solidFill>
+                  <a:schemeClr val="tx1"/>
+                </a:solidFill>
+                <a:effectLst/>
+                <a:latin typeface="Arial" panose="020B0604020202020204" pitchFamily="34" charset="0"/>
+              </a:rPr>
+              <a:t>From</a:t>
+            </a:r>
+            <a:r>
+              <a:rPr lang="en-US" altLang="zh-CN" sz="1200" b="0" kern="1200" baseline="0" dirty="0" smtClean="0">
+                <a:solidFill>
+                  <a:schemeClr val="tx1"/>
+                </a:solidFill>
+                <a:effectLst/>
+                <a:latin typeface="Arial" panose="020B0604020202020204" pitchFamily="34" charset="0"/>
+              </a:rPr>
+              <a:t> the picture, we can find</a:t>
+            </a:r>
+            <a:endParaRPr lang="en-US" altLang="zh-CN" sz="1200" b="0" kern="1200" dirty="0" smtClean="0">
+              <a:solidFill>
+                <a:schemeClr val="tx1"/>
+              </a:solidFill>
+              <a:effectLst/>
+              <a:latin typeface="Arial" panose="020B0604020202020204" pitchFamily="34" charset="0"/>
+            </a:endParaRPr>
+          </a:p>
+          <a:p>
             <a:pPr marL="228600" indent="-228600">
               <a:buAutoNum type="arabicParenR"/>
             </a:pPr>
@@ -1691,7 +1758,17 @@
                 <a:effectLst/>
                 <a:latin typeface="Arial" panose="020B0604020202020204" pitchFamily="34" charset="0"/>
               </a:rPr>
-              <a:t> outperforms the baselines. Among the three baselines, SEQ2SEQ performs the worst and HRED the best. </a:t>
+              <a:t> </a:t>
+            </a:r>
+            <a:r>
+              <a:rPr lang="en-US" altLang="zh-CN" sz="1200" b="0" kern="1200" dirty="0" smtClean="0">
+                <a:solidFill>
+                  <a:schemeClr val="tx1"/>
+                </a:solidFill>
+                <a:effectLst/>
+                <a:latin typeface="Arial" panose="020B0604020202020204" pitchFamily="34" charset="0"/>
+              </a:rPr>
+              <a:t>outperforms the baselines. Among the three baselines, SEQ2SEQ performs the worst and HRED the best. </a:t>
             </a:r>
           </a:p>
           <a:p>
@@ -1706,7 +1783,27 @@
                 <a:effectLst/>
                 <a:latin typeface="Arial" panose="020B0604020202020204" pitchFamily="34" charset="0"/>
               </a:rPr>
-              <a:t>Over 45% of the triplets were labeled as ”tie”. By checking these samples, we found most of them are illogical or irrelevant.</a:t>
+              <a:t>Over 45% of the triplets were labeled as ”tie”. By checking these samples, </a:t>
+            </a:r>
+            <a:r>
+              <a:rPr lang="en-US" altLang="zh-CN" sz="1200" b="0" kern="1200" dirty="0" smtClean="0">
+                <a:solidFill>
+                  <a:schemeClr val="tx1"/>
+                </a:solidFill>
+                <a:effectLst/>
+                <a:latin typeface="Arial" panose="020B0604020202020204" pitchFamily="34" charset="0"/>
+              </a:rPr>
+              <a:t>they </a:t>
+            </a:r>
+            <a:r>
+              <a:rPr lang="en-US" altLang="zh-CN" sz="1200" b="0" kern="1200" dirty="0" smtClean="0">
+                <a:solidFill>
+                  <a:schemeClr val="tx1"/>
+                </a:solidFill>
+                <a:effectLst/>
+                <a:latin typeface="Arial" panose="020B0604020202020204" pitchFamily="34" charset="0"/>
+              </a:rPr>
+              <a:t>found most of them are illogical or irrelevant.</a:t>
             </a:r>
           </a:p>
           <a:p>
@@ -2035,7 +2132,7 @@
             </a:pPr>
             <a:r>
               <a:rPr lang="en-US" altLang="zh-CN" baseline="0" dirty="0" smtClean="0"/>
-              <a:t>How to improve logical between the responses and the historical contexts?</a:t>
+              <a:t>How to improve logical and semantic consistency between the responses and the historical contexts?</a:t>
             </a:r>
           </a:p>
           <a:p>
@@ -2210,17 +2307,7 @@
                 <a:effectLst/>
                 <a:latin typeface="Arial" panose="020B0604020202020204" pitchFamily="34" charset="0"/>
               </a:rPr>
-              <a:t>The </a:t>
-            </a:r>
-            <a:r>
-              <a:rPr lang="en-US" altLang="zh-CN" sz="1200" b="0" kern="1200" dirty="0" smtClean="0">
-                <a:solidFill>
-                  <a:schemeClr val="tx1"/>
-                </a:solidFill>
-                <a:effectLst/>
-                <a:latin typeface="Arial" panose="020B0604020202020204" pitchFamily="34" charset="0"/>
-              </a:rPr>
-              <a:t>past decade has witnessed the boom of human-machine interactions, particularly via dialog systems. </a:t>
+              <a:t>The past decade has witnessed the boom of human-machine interactions, particularly via dialog systems. </a:t>
             </a:r>
           </a:p>
           <a:p>
@@ -2278,17 +2365,7 @@
                 <a:effectLst/>
                 <a:latin typeface="Arial" panose="020B0604020202020204" pitchFamily="34" charset="0"/>
               </a:rPr>
-              <a:t>Dialog systems can be divided into task-oriented and non-task-oriented categories. The former studies vertical domains. The latter studies open-domain topics</a:t>
-            </a:r>
-            <a:r>
-              <a:rPr lang="en-US" altLang="zh-CN" sz="1200" b="0" kern="1200" dirty="0" smtClean="0">
-                <a:solidFill>
-                  <a:schemeClr val="tx1"/>
-                </a:solidFill>
-                <a:effectLst/>
-                <a:latin typeface="Arial" panose="020B0604020202020204" pitchFamily="34" charset="0"/>
-              </a:rPr>
-              <a:t>.</a:t>
+              <a:t>Dialog systems can be divided into task-oriented and non-task-oriented categories. The former studies vertical domains. The latter studies open-domain topics.</a:t>
             </a:r>
           </a:p>
           <a:p>
@@ -2363,17 +2440,7 @@
                 <a:effectLst/>
                 <a:latin typeface="Arial" panose="020B0604020202020204" pitchFamily="34" charset="0"/>
               </a:rPr>
-              <a:t>Implement </a:t>
-            </a:r>
-            <a:r>
-              <a:rPr lang="en-US" altLang="zh-CN" sz="1200" b="0" kern="1200" dirty="0" smtClean="0">
-                <a:solidFill>
-                  <a:schemeClr val="tx1"/>
-                </a:solidFill>
-                <a:effectLst/>
-                <a:latin typeface="Arial" panose="020B0604020202020204" pitchFamily="34" charset="0"/>
-              </a:rPr>
-              <a:t>methods mainly includes</a:t>
+              <a:t>Implement methods mainly includes</a:t>
             </a:r>
             <a:r>
               <a:rPr lang="en-US" altLang="zh-CN" sz="1200" b="0" kern="1200" baseline="0" dirty="0" smtClean="0">
@@ -2458,17 +2525,7 @@
                 <a:effectLst/>
                 <a:latin typeface="Arial" panose="020B0604020202020204" pitchFamily="34" charset="0"/>
               </a:rPr>
-              <a:t>And the </a:t>
-            </a:r>
-            <a:r>
-              <a:rPr lang="en-US" altLang="zh-CN" sz="1200" b="0" kern="1200" baseline="0" dirty="0" smtClean="0">
-                <a:solidFill>
-                  <a:schemeClr val="tx1"/>
-                </a:solidFill>
-                <a:effectLst/>
-                <a:latin typeface="Arial" panose="020B0604020202020204" pitchFamily="34" charset="0"/>
-              </a:rPr>
-              <a:t>generation-based methods can divide into single-turn and multi-turn models.</a:t>
+              <a:t>And the generation-based methods can divide into single-turn and multi-turn models.</a:t>
             </a:r>
           </a:p>
           <a:p>
@@ -2627,17 +2684,7 @@
                 <a:effectLst/>
                 <a:latin typeface="Arial" panose="020B0604020202020204" pitchFamily="34" charset="0"/>
               </a:rPr>
-              <a:t>In this paper, authors study the task of response generation in open-domain multi-turn dialog systems</a:t>
-            </a:r>
-            <a:r>
-              <a:rPr lang="en-US" altLang="zh-CN" sz="1200" b="0" kern="1200" dirty="0" smtClean="0">
-                <a:solidFill>
-                  <a:schemeClr val="tx1"/>
-                </a:solidFill>
-                <a:effectLst/>
-                <a:latin typeface="Arial" panose="020B0604020202020204" pitchFamily="34" charset="0"/>
-              </a:rPr>
-              <a:t>.</a:t>
+              <a:t>In this paper, authors study the task of response generation in open-domain multi-turn dialog systems.</a:t>
             </a:r>
           </a:p>
           <a:p>
@@ -2732,27 +2779,7 @@
                 <a:effectLst/>
                 <a:latin typeface="Arial" panose="020B0604020202020204" pitchFamily="34" charset="0"/>
               </a:rPr>
-              <a:t>s </a:t>
-            </a:r>
-            <a:r>
-              <a:rPr lang="en-US" altLang="zh-CN" sz="1200" b="0" kern="1200" baseline="0" dirty="0" smtClean="0">
-                <a:solidFill>
-                  <a:schemeClr val="tx1"/>
-                </a:solidFill>
-                <a:effectLst/>
-                <a:latin typeface="Arial" panose="020B0604020202020204" pitchFamily="34" charset="0"/>
-              </a:rPr>
-              <a:t>the topic penetration</a:t>
-            </a:r>
-            <a:r>
-              <a:rPr lang="en-US" altLang="zh-CN" sz="1200" b="0" kern="1200" baseline="0" dirty="0" smtClean="0">
-                <a:solidFill>
-                  <a:schemeClr val="tx1"/>
-                </a:solidFill>
-                <a:effectLst/>
-                <a:latin typeface="Arial" panose="020B0604020202020204" pitchFamily="34" charset="0"/>
-              </a:rPr>
-              <a:t>.</a:t>
+              <a:t>s the topic penetration.</a:t>
             </a:r>
           </a:p>
           <a:p>
@@ -2817,27 +2844,7 @@
                 <a:effectLst/>
                 <a:latin typeface="Arial" panose="020B0604020202020204" pitchFamily="34" charset="0"/>
               </a:rPr>
-              <a:t> </a:t>
-            </a:r>
-            <a:r>
-              <a:rPr lang="en-US" altLang="zh-CN" sz="1200" b="0" kern="1200" baseline="0" dirty="0" smtClean="0">
-                <a:solidFill>
-                  <a:schemeClr val="tx1"/>
-                </a:solidFill>
-                <a:effectLst/>
-                <a:latin typeface="Arial" panose="020B0604020202020204" pitchFamily="34" charset="0"/>
-              </a:rPr>
-              <a:t>the topic extension</a:t>
-            </a:r>
-            <a:r>
-              <a:rPr lang="en-US" altLang="zh-CN" sz="1200" b="0" kern="1200" baseline="0" dirty="0" smtClean="0">
-                <a:solidFill>
-                  <a:schemeClr val="tx1"/>
-                </a:solidFill>
-                <a:effectLst/>
-                <a:latin typeface="Arial" panose="020B0604020202020204" pitchFamily="34" charset="0"/>
-              </a:rPr>
-              <a:t>.</a:t>
+              <a:t> the topic extension.</a:t>
             </a:r>
           </a:p>
           <a:p>
@@ -2970,43 +2977,43 @@
           <a:lstStyle/>
           <a:p>
             <a:r>
-              <a:rPr lang="en-US" altLang="zh-CN" b="1" dirty="0" smtClean="0"/>
+              <a:rPr lang="en-US" altLang="zh-CN" b="0" dirty="0" smtClean="0"/>
               <a:t>The first, the majority of prior eﬀorts consider all the phrases in the entire context without elaborated distinction, which indeed incorporates noises and may thus hurt the desired performance. </a:t>
             </a:r>
           </a:p>
           <a:p>
             <a:r>
-              <a:rPr lang="en-US" altLang="zh-CN" b="1" dirty="0" smtClean="0"/>
+              <a:rPr lang="en-US" altLang="zh-CN" b="0" dirty="0" smtClean="0"/>
               <a:t>The second</a:t>
             </a:r>
             <a:r>
-              <a:rPr lang="en-US" altLang="zh-CN" b="1" baseline="0" dirty="0" smtClean="0"/>
+              <a:rPr lang="en-US" altLang="zh-CN" b="0" baseline="0" dirty="0" smtClean="0"/>
               <a:t>, </a:t>
             </a:r>
             <a:r>
-              <a:rPr lang="en-US" altLang="zh-CN" b="1" dirty="0" smtClean="0"/>
+              <a:rPr lang="en-US" altLang="zh-CN" b="0" dirty="0" smtClean="0"/>
               <a:t>Fewer researchers thus far have addressed the issue that making the conversation to be more attractive and meaningful.</a:t>
             </a:r>
           </a:p>
           <a:p>
             <a:r>
-              <a:rPr lang="en-US" altLang="zh-CN" b="1" dirty="0" smtClean="0"/>
+              <a:rPr lang="en-US" altLang="zh-CN" b="0" dirty="0" smtClean="0"/>
               <a:t>The last</a:t>
             </a:r>
             <a:r>
-              <a:rPr lang="en-US" altLang="zh-CN" b="1" baseline="0" dirty="0" smtClean="0"/>
+              <a:rPr lang="en-US" altLang="zh-CN" b="0" baseline="0" dirty="0" smtClean="0"/>
               <a:t>, current generation-based systems frequently generate dull responses, which are not informative or meaningless. For example, I don’t know.</a:t>
             </a:r>
-            <a:endParaRPr lang="en-US" altLang="zh-CN" b="1" dirty="0" smtClean="0"/>
-          </a:p>
-          <a:p>
-            <a:endParaRPr lang="en-US" altLang="zh-CN" b="1" dirty="0" smtClean="0"/>
-          </a:p>
-          <a:p>
-            <a:endParaRPr lang="en-US" altLang="zh-CN" b="1" dirty="0" smtClean="0"/>
-          </a:p>
-          <a:p>
-            <a:endParaRPr lang="zh-CN" altLang="en-US" b="1" dirty="0"/>
+            <a:endParaRPr lang="en-US" altLang="zh-CN" b="0" dirty="0" smtClean="0"/>
+          </a:p>
+          <a:p>
+            <a:endParaRPr lang="en-US" altLang="zh-CN" b="0" dirty="0" smtClean="0"/>
+          </a:p>
+          <a:p>
+            <a:endParaRPr lang="en-US" altLang="zh-CN" b="0" dirty="0" smtClean="0"/>
+          </a:p>
+          <a:p>
+            <a:endParaRPr lang="zh-CN" altLang="en-US" b="0" dirty="0"/>
           </a:p>
         </p:txBody>
       </p:sp>
@@ -3329,10 +3336,6 @@
               </a:rPr>
               <a:t>To deepen and widen the chatting topics, this paper present a scheme to explore the keywords in a dialog as shown in the picture. </a:t>
             </a:r>
-            <a:endParaRPr lang="en-US" altLang="zh-CN" dirty="0" smtClean="0">
-              <a:ea typeface="宋体" panose="02010600030101010101" pitchFamily="2" charset="-122"/>
-              <a:cs typeface="Arial" panose="020B0604020202020204" pitchFamily="34" charset="0"/>
-            </a:endParaRPr>
           </a:p>
           <a:p>
             <a:pPr marL="171450" indent="-171450" eaLnBrk="1" hangingPunct="1">
@@ -3344,19 +3347,21 @@
                 <a:ea typeface="宋体" panose="02010600030101010101" pitchFamily="2" charset="-122"/>
                 <a:cs typeface="Arial" panose="020B0604020202020204" pitchFamily="34" charset="0"/>
               </a:rPr>
-              <a:t>The </a:t>
-            </a:r>
+              <a:t>The scheme ﬁrst segments the utterances and extracts the keywords from the context. </a:t>
+            </a:r>
+          </a:p>
+          <a:p>
+            <a:pPr marL="171450" indent="-171450" eaLnBrk="1" hangingPunct="1">
+              <a:buFontTx/>
+              <a:buChar char="-"/>
+            </a:pPr>
             <a:r>
               <a:rPr lang="en-US" altLang="zh-CN" dirty="0" smtClean="0">
                 <a:ea typeface="宋体" panose="02010600030101010101" pitchFamily="2" charset="-122"/>
                 <a:cs typeface="Arial" panose="020B0604020202020204" pitchFamily="34" charset="0"/>
               </a:rPr>
-              <a:t>scheme ﬁrst segments the utterances and extracts the keywords from the context. </a:t>
-            </a:r>
-            <a:endParaRPr lang="en-US" altLang="zh-CN" dirty="0" smtClean="0">
-              <a:ea typeface="宋体" panose="02010600030101010101" pitchFamily="2" charset="-122"/>
-              <a:cs typeface="Arial" panose="020B0604020202020204" pitchFamily="34" charset="0"/>
-            </a:endParaRPr>
+              <a:t>After that, the model inputs the context and its keywords into three parallel channels, namely, global, wide and deep channels. These channels respectively encode the context into an embedding vector, </a:t>
+            </a:r>
           </a:p>
           <a:p>
             <a:pPr marL="171450" indent="-171450" eaLnBrk="1" hangingPunct="1">
@@ -3368,19 +3373,21 @@
                 <a:ea typeface="宋体" panose="02010600030101010101" pitchFamily="2" charset="-122"/>
                 <a:cs typeface="Arial" panose="020B0604020202020204" pitchFamily="34" charset="0"/>
               </a:rPr>
-              <a:t>After </a:t>
-            </a:r>
+              <a:t>predict wider keywords, </a:t>
+            </a:r>
+          </a:p>
+          <a:p>
+            <a:pPr marL="171450" indent="-171450" eaLnBrk="1" hangingPunct="1">
+              <a:buFontTx/>
+              <a:buChar char="-"/>
+            </a:pPr>
             <a:r>
               <a:rPr lang="en-US" altLang="zh-CN" dirty="0" smtClean="0">
                 <a:ea typeface="宋体" panose="02010600030101010101" pitchFamily="2" charset="-122"/>
                 <a:cs typeface="Arial" panose="020B0604020202020204" pitchFamily="34" charset="0"/>
               </a:rPr>
-              <a:t>that, the model inputs the context and its keywords into three parallel channels, namely, global, wide and deep channels. These channels respectively encode the context into an embedding vector, </a:t>
-            </a:r>
-            <a:endParaRPr lang="en-US" altLang="zh-CN" dirty="0" smtClean="0">
-              <a:ea typeface="宋体" panose="02010600030101010101" pitchFamily="2" charset="-122"/>
-              <a:cs typeface="Arial" panose="020B0604020202020204" pitchFamily="34" charset="0"/>
-            </a:endParaRPr>
+              <a:t>and select deeper keywords based on the context and its keywords. </a:t>
+            </a:r>
           </a:p>
           <a:p>
             <a:pPr marL="171450" indent="-171450" eaLnBrk="1" hangingPunct="1">
@@ -3392,69 +3399,7 @@
                 <a:ea typeface="宋体" panose="02010600030101010101" pitchFamily="2" charset="-122"/>
                 <a:cs typeface="Arial" panose="020B0604020202020204" pitchFamily="34" charset="0"/>
               </a:rPr>
-              <a:t>predict </a:t>
-            </a:r>
-            <a:r>
-              <a:rPr lang="en-US" altLang="zh-CN" dirty="0" smtClean="0">
-                <a:ea typeface="宋体" panose="02010600030101010101" pitchFamily="2" charset="-122"/>
-                <a:cs typeface="Arial" panose="020B0604020202020204" pitchFamily="34" charset="0"/>
-              </a:rPr>
-              <a:t>wider keywords, </a:t>
-            </a:r>
-            <a:endParaRPr lang="en-US" altLang="zh-CN" dirty="0" smtClean="0">
-              <a:ea typeface="宋体" panose="02010600030101010101" pitchFamily="2" charset="-122"/>
-              <a:cs typeface="Arial" panose="020B0604020202020204" pitchFamily="34" charset="0"/>
-            </a:endParaRPr>
-          </a:p>
-          <a:p>
-            <a:pPr marL="171450" indent="-171450" eaLnBrk="1" hangingPunct="1">
-              <a:buFontTx/>
-              <a:buChar char="-"/>
-            </a:pPr>
-            <a:r>
-              <a:rPr lang="en-US" altLang="zh-CN" dirty="0" smtClean="0">
-                <a:ea typeface="宋体" panose="02010600030101010101" pitchFamily="2" charset="-122"/>
-                <a:cs typeface="Arial" panose="020B0604020202020204" pitchFamily="34" charset="0"/>
-              </a:rPr>
-              <a:t>and </a:t>
-            </a:r>
-            <a:r>
-              <a:rPr lang="en-US" altLang="zh-CN" dirty="0" smtClean="0">
-                <a:ea typeface="宋体" panose="02010600030101010101" pitchFamily="2" charset="-122"/>
-                <a:cs typeface="Arial" panose="020B0604020202020204" pitchFamily="34" charset="0"/>
-              </a:rPr>
-              <a:t>select deeper keywords based on the context and its keywords. </a:t>
-            </a:r>
-            <a:endParaRPr lang="en-US" altLang="zh-CN" dirty="0" smtClean="0">
-              <a:ea typeface="宋体" panose="02010600030101010101" pitchFamily="2" charset="-122"/>
-              <a:cs typeface="Arial" panose="020B0604020202020204" pitchFamily="34" charset="0"/>
-            </a:endParaRPr>
-          </a:p>
-          <a:p>
-            <a:pPr marL="171450" indent="-171450" eaLnBrk="1" hangingPunct="1">
-              <a:buFontTx/>
-              <a:buChar char="-"/>
-            </a:pPr>
-            <a:r>
-              <a:rPr lang="en-US" altLang="zh-CN" dirty="0" smtClean="0">
-                <a:ea typeface="宋体" panose="02010600030101010101" pitchFamily="2" charset="-122"/>
-                <a:cs typeface="Arial" panose="020B0604020202020204" pitchFamily="34" charset="0"/>
-              </a:rPr>
-              <a:t>Ultimately</a:t>
-            </a:r>
-            <a:r>
-              <a:rPr lang="en-US" altLang="zh-CN" dirty="0" smtClean="0">
-                <a:ea typeface="宋体" panose="02010600030101010101" pitchFamily="2" charset="-122"/>
-                <a:cs typeface="Arial" panose="020B0604020202020204" pitchFamily="34" charset="0"/>
-              </a:rPr>
-              <a:t>, the model adopts an attention mechanism to weigh the context and keywords before feeding them into the RNN decoder that is used to generate a response</a:t>
-            </a:r>
-            <a:r>
-              <a:rPr lang="en-US" altLang="zh-CN" dirty="0" smtClean="0">
-                <a:ea typeface="宋体" panose="02010600030101010101" pitchFamily="2" charset="-122"/>
-                <a:cs typeface="Arial" panose="020B0604020202020204" pitchFamily="34" charset="0"/>
-              </a:rPr>
-              <a:t>.</a:t>
+              <a:t>Ultimately, the model adopts an attention mechanism to weigh the context and keywords before feeding them into the RNN decoder that is used to generate a response.</a:t>
             </a:r>
           </a:p>
           <a:p>
@@ -3482,10 +3427,6 @@
               </a:rPr>
               <a:t>I repeat the process in Chinese.</a:t>
             </a:r>
-            <a:endParaRPr lang="en-US" altLang="zh-CN" dirty="0" smtClean="0">
-              <a:ea typeface="宋体" panose="02010600030101010101" pitchFamily="2" charset="-122"/>
-              <a:cs typeface="Arial" panose="020B0604020202020204" pitchFamily="34" charset="0"/>
-            </a:endParaRPr>
           </a:p>
           <a:p>
             <a:pPr eaLnBrk="1" hangingPunct="1"/>
@@ -3629,14 +3570,7 @@
                 <a:ea typeface="宋体" panose="02010600030101010101" pitchFamily="2" charset="-122"/>
                 <a:cs typeface="Arial" panose="020B0604020202020204" pitchFamily="34" charset="0"/>
               </a:rPr>
-              <a:t>- They </a:t>
-            </a:r>
-            <a:r>
-              <a:rPr lang="en-US" altLang="zh-CN" baseline="0" dirty="0" smtClean="0">
-                <a:ea typeface="宋体" panose="02010600030101010101" pitchFamily="2" charset="-122"/>
-                <a:cs typeface="Arial" panose="020B0604020202020204" pitchFamily="34" charset="0"/>
-              </a:rPr>
-              <a:t>consider a session as a document and a word as a term to calculate the TF-IDF value of each word.</a:t>
+              <a:t>- They consider a session as a document and a word as a term to calculate the TF-IDF value of each word.</a:t>
             </a:r>
           </a:p>
           <a:p>
@@ -3939,7 +3873,7 @@
               <a:pPr>
                 <a:defRPr/>
               </a:pPr>
-              <a:t>2018/5/14</a:t>
+              <a:t>2018/5/16</a:t>
             </a:fld>
             <a:endParaRPr lang="zh-CN" altLang="en-US"/>
           </a:p>
@@ -4142,7 +4076,7 @@
               <a:pPr>
                 <a:defRPr/>
               </a:pPr>
-              <a:t>2018/5/14</a:t>
+              <a:t>2018/5/16</a:t>
             </a:fld>
             <a:endParaRPr lang="zh-CN" altLang="en-US"/>
           </a:p>
@@ -4355,7 +4289,7 @@
               <a:pPr>
                 <a:defRPr/>
               </a:pPr>
-              <a:t>2018/5/14</a:t>
+              <a:t>2018/5/16</a:t>
             </a:fld>
             <a:endParaRPr lang="zh-CN" altLang="en-US"/>
           </a:p>
@@ -4580,7 +4514,7 @@
               <a:pPr>
                 <a:defRPr/>
               </a:pPr>
-              <a:t>2018/5/14</a:t>
+              <a:t>2018/5/16</a:t>
             </a:fld>
             <a:endParaRPr lang="zh-CN" altLang="en-US"/>
           </a:p>
@@ -4783,7 +4717,7 @@
               <a:pPr>
                 <a:defRPr/>
               </a:pPr>
-              <a:t>2018/5/14</a:t>
+              <a:t>2018/5/16</a:t>
             </a:fld>
             <a:endParaRPr lang="zh-CN" altLang="en-US"/>
           </a:p>
@@ -5062,7 +4996,7 @@
               <a:pPr>
                 <a:defRPr/>
               </a:pPr>
-              <a:t>2018/5/14</a:t>
+              <a:t>2018/5/16</a:t>
             </a:fld>
             <a:endParaRPr lang="zh-CN" altLang="en-US"/>
           </a:p>
@@ -5327,7 +5261,7 @@
               <a:pPr>
                 <a:defRPr/>
               </a:pPr>
-              <a:t>2018/5/14</a:t>
+              <a:t>2018/5/16</a:t>
             </a:fld>
             <a:endParaRPr lang="zh-CN" altLang="en-US"/>
           </a:p>
@@ -5727,7 +5661,7 @@
               <a:pPr>
                 <a:defRPr/>
               </a:pPr>
-              <a:t>2018/5/14</a:t>
+              <a:t>2018/5/16</a:t>
             </a:fld>
             <a:endParaRPr lang="zh-CN" altLang="en-US"/>
           </a:p>
@@ -5878,7 +5812,7 @@
               <a:pPr>
                 <a:defRPr/>
               </a:pPr>
-              <a:t>2018/5/14</a:t>
+              <a:t>2018/5/16</a:t>
             </a:fld>
             <a:endParaRPr lang="zh-CN" altLang="en-US"/>
           </a:p>
@@ -6006,7 +5940,7 @@
               <a:pPr>
                 <a:defRPr/>
               </a:pPr>
-              <a:t>2018/5/14</a:t>
+              <a:t>2018/5/16</a:t>
             </a:fld>
             <a:endParaRPr lang="zh-CN" altLang="en-US"/>
           </a:p>
@@ -6316,7 +6250,7 @@
               <a:pPr>
                 <a:defRPr/>
               </a:pPr>
-              <a:t>2018/5/14</a:t>
+              <a:t>2018/5/16</a:t>
             </a:fld>
             <a:endParaRPr lang="zh-CN" altLang="en-US"/>
           </a:p>
@@ -6519,7 +6453,7 @@
               <a:pPr>
                 <a:defRPr/>
               </a:pPr>
-              <a:t>2018/5/14</a:t>
+              <a:t>2018/5/16</a:t>
             </a:fld>
             <a:endParaRPr lang="zh-CN" altLang="en-US"/>
           </a:p>
@@ -6808,7 +6742,7 @@
               <a:pPr>
                 <a:defRPr/>
               </a:pPr>
-              <a:t>2018/5/14</a:t>
+              <a:t>2018/5/16</a:t>
             </a:fld>
             <a:endParaRPr lang="zh-CN" altLang="en-US"/>
           </a:p>
@@ -7011,7 +6945,7 @@
               <a:pPr>
                 <a:defRPr/>
               </a:pPr>
-              <a:t>2018/5/14</a:t>
+              <a:t>2018/5/16</a:t>
             </a:fld>
             <a:endParaRPr lang="zh-CN" altLang="en-US"/>
           </a:p>
@@ -7224,7 +7158,7 @@
               <a:pPr>
                 <a:defRPr/>
               </a:pPr>
-              <a:t>2018/5/14</a:t>
+              <a:t>2018/5/16</a:t>
             </a:fld>
             <a:endParaRPr lang="zh-CN" altLang="en-US"/>
           </a:p>
@@ -7503,7 +7437,7 @@
               <a:pPr>
                 <a:defRPr/>
               </a:pPr>
-              <a:t>2018/5/14</a:t>
+              <a:t>2018/5/16</a:t>
             </a:fld>
             <a:endParaRPr lang="zh-CN" altLang="en-US"/>
           </a:p>
@@ -7768,7 +7702,7 @@
               <a:pPr>
                 <a:defRPr/>
               </a:pPr>
-              <a:t>2018/5/14</a:t>
+              <a:t>2018/5/16</a:t>
             </a:fld>
             <a:endParaRPr lang="zh-CN" altLang="en-US"/>
           </a:p>
@@ -8168,7 +8102,7 @@
               <a:pPr>
                 <a:defRPr/>
               </a:pPr>
-              <a:t>2018/5/14</a:t>
+              <a:t>2018/5/16</a:t>
             </a:fld>
             <a:endParaRPr lang="zh-CN" altLang="en-US"/>
           </a:p>
@@ -8319,7 +8253,7 @@
               <a:pPr>
                 <a:defRPr/>
               </a:pPr>
-              <a:t>2018/5/14</a:t>
+              <a:t>2018/5/16</a:t>
             </a:fld>
             <a:endParaRPr lang="zh-CN" altLang="en-US"/>
           </a:p>
@@ -8447,7 +8381,7 @@
               <a:pPr>
                 <a:defRPr/>
               </a:pPr>
-              <a:t>2018/5/14</a:t>
+              <a:t>2018/5/16</a:t>
             </a:fld>
             <a:endParaRPr lang="zh-CN" altLang="en-US"/>
           </a:p>
@@ -8757,7 +8691,7 @@
               <a:pPr>
                 <a:defRPr/>
               </a:pPr>
-              <a:t>2018/5/14</a:t>
+              <a:t>2018/5/16</a:t>
             </a:fld>
             <a:endParaRPr lang="zh-CN" altLang="en-US"/>
           </a:p>
@@ -9046,7 +8980,7 @@
               <a:pPr>
                 <a:defRPr/>
               </a:pPr>
-              <a:t>2018/5/14</a:t>
+              <a:t>2018/5/16</a:t>
             </a:fld>
             <a:endParaRPr lang="zh-CN" altLang="en-US"/>
           </a:p>
@@ -9517,7 +9451,7 @@
               <a:pPr>
                 <a:defRPr/>
               </a:pPr>
-              <a:t>2018/5/14</a:t>
+              <a:t>2018/5/16</a:t>
             </a:fld>
             <a:endParaRPr lang="zh-CN" altLang="en-US"/>
           </a:p>
@@ -10567,7 +10501,7 @@
               <a:pPr>
                 <a:defRPr/>
               </a:pPr>
-              <a:t>2018/5/14</a:t>
+              <a:t>2018/5/16</a:t>
             </a:fld>
             <a:endParaRPr lang="zh-CN" altLang="en-US"/>
           </a:p>
@@ -13112,7 +13046,7 @@
           <p:nvPr>
             <p:extLst>
               <p:ext uri="{D42A27DB-BD31-4B8C-83A1-F6EECF244321}">
-                <p14:modId xmlns:p14="http://schemas.microsoft.com/office/powerpoint/2010/main" val="23359432"/>
+                <p14:modId xmlns:p14="http://schemas.microsoft.com/office/powerpoint/2010/main" val="1390258840"/>
               </p:ext>
             </p:extLst>
           </p:nvPr>
@@ -13334,12 +13268,18 @@
                       <a:pPr algn="ctr"/>
                       <a:r>
                         <a:rPr lang="en-US" altLang="zh-CN" sz="2400" baseline="0" dirty="0" smtClean="0">
+                          <a:solidFill>
+                            <a:srgbClr val="FF0000"/>
+                          </a:solidFill>
                           <a:latin typeface="Times New Roman" panose="02020603050405020304" pitchFamily="18" charset="0"/>
                           <a:ea typeface="宋体" panose="02010600030101010101" pitchFamily="2" charset="-122"/>
                         </a:rPr>
                         <a:t>English</a:t>
                       </a:r>
                       <a:endParaRPr lang="zh-CN" altLang="en-US" sz="2400" baseline="0" dirty="0">
+                        <a:solidFill>
+                          <a:srgbClr val="FF0000"/>
+                        </a:solidFill>
                         <a:latin typeface="Times New Roman" panose="02020603050405020304" pitchFamily="18" charset="0"/>
                         <a:ea typeface="宋体" panose="02010600030101010101" pitchFamily="2" charset="-122"/>
                       </a:endParaRPr>
@@ -13448,12 +13388,18 @@
                       <a:pPr algn="ctr"/>
                       <a:r>
                         <a:rPr lang="en-US" altLang="zh-CN" sz="2400" baseline="0" dirty="0" smtClean="0">
+                          <a:solidFill>
+                            <a:srgbClr val="FF0000"/>
+                          </a:solidFill>
                           <a:latin typeface="Times New Roman" panose="02020603050405020304" pitchFamily="18" charset="0"/>
                           <a:ea typeface="宋体" panose="02010600030101010101" pitchFamily="2" charset="-122"/>
                         </a:rPr>
                         <a:t>Chinese</a:t>
                       </a:r>
                       <a:endParaRPr lang="zh-CN" altLang="en-US" sz="2400" baseline="0" dirty="0">
+                        <a:solidFill>
+                          <a:srgbClr val="FF0000"/>
+                        </a:solidFill>
                         <a:latin typeface="Times New Roman" panose="02020603050405020304" pitchFamily="18" charset="0"/>
                         <a:ea typeface="宋体" panose="02010600030101010101" pitchFamily="2" charset="-122"/>
                       </a:endParaRPr>
@@ -13532,19 +13478,7 @@
               <a:rPr lang="en-US" altLang="zh-CN" sz="2000" dirty="0">
                 <a:latin typeface="Times New Roman" panose="02020603050405020304" pitchFamily="18" charset="0"/>
               </a:rPr>
-              <a:t>The response is meaningful and has two keywords at least. The keywords </a:t>
-            </a:r>
-            <a:r>
-              <a:rPr lang="en-US" altLang="zh-CN" sz="2000" dirty="0">
-                <a:latin typeface="Times New Roman" panose="02020603050405020304" pitchFamily="18" charset="0"/>
-              </a:rPr>
-              <a:t>refer</a:t>
-            </a:r>
-            <a:r>
-              <a:rPr lang="en-US" altLang="zh-CN" sz="2000" dirty="0">
-                <a:latin typeface="Times New Roman" panose="02020603050405020304" pitchFamily="18" charset="0"/>
-              </a:rPr>
-              <a:t> to those with the TF-IDF value no less than a given threshold.</a:t>
+              <a:t>The response is meaningful and has two keywords at least. The keywords refer to those with the TF-IDF value no less than a given threshold.</a:t>
             </a:r>
             <a:endParaRPr lang="zh-CN" altLang="en-US" sz="2000" dirty="0">
               <a:latin typeface="Times New Roman" panose="02020603050405020304" pitchFamily="18" charset="0"/>
@@ -13852,25 +13786,8 @@
                 <a:latin typeface="Times New Roman" panose="02020603050405020304" pitchFamily="18" charset="0"/>
                 <a:cs typeface="Times New Roman" panose="02020603050405020304" pitchFamily="18" charset="0"/>
               </a:rPr>
-              <a:t>7.2 </a:t>
-            </a:r>
-            <a:r>
-              <a:rPr lang="en-US" altLang="zh-CN" sz="4400" dirty="0" smtClean="0">
-                <a:solidFill>
-                  <a:srgbClr val="01A89C"/>
-                </a:solidFill>
-                <a:latin typeface="Times New Roman" panose="02020603050405020304" pitchFamily="18" charset="0"/>
-                <a:cs typeface="Times New Roman" panose="02020603050405020304" pitchFamily="18" charset="0"/>
-              </a:rPr>
-              <a:t>Experiment(1)</a:t>
-            </a:r>
-            <a:endParaRPr lang="en-US" altLang="zh-CN" sz="4400" dirty="0" smtClean="0">
-              <a:solidFill>
-                <a:srgbClr val="01A89C"/>
-              </a:solidFill>
-              <a:latin typeface="Times New Roman" panose="02020603050405020304" pitchFamily="18" charset="0"/>
-              <a:cs typeface="Times New Roman" panose="02020603050405020304" pitchFamily="18" charset="0"/>
-            </a:endParaRPr>
+              <a:t>7.2 Experiment(1)</a:t>
+            </a:r>
           </a:p>
         </p:txBody>
       </p:sp>
@@ -14228,25 +14145,8 @@
                 <a:latin typeface="Times New Roman" panose="02020603050405020304" pitchFamily="18" charset="0"/>
                 <a:cs typeface="Times New Roman" panose="02020603050405020304" pitchFamily="18" charset="0"/>
               </a:rPr>
-              <a:t>7.2 </a:t>
-            </a:r>
-            <a:r>
-              <a:rPr lang="en-US" altLang="zh-CN" sz="4400" dirty="0" smtClean="0">
-                <a:solidFill>
-                  <a:srgbClr val="01A89C"/>
-                </a:solidFill>
-                <a:latin typeface="Times New Roman" panose="02020603050405020304" pitchFamily="18" charset="0"/>
-                <a:cs typeface="Times New Roman" panose="02020603050405020304" pitchFamily="18" charset="0"/>
-              </a:rPr>
-              <a:t>Experiment(2)</a:t>
-            </a:r>
-            <a:endParaRPr lang="en-US" altLang="zh-CN" sz="4400" dirty="0" smtClean="0">
-              <a:solidFill>
-                <a:srgbClr val="01A89C"/>
-              </a:solidFill>
-              <a:latin typeface="Times New Roman" panose="02020603050405020304" pitchFamily="18" charset="0"/>
-              <a:cs typeface="Times New Roman" panose="02020603050405020304" pitchFamily="18" charset="0"/>
-            </a:endParaRPr>
+              <a:t>7.2 Experiment(2)</a:t>
+            </a:r>
           </a:p>
         </p:txBody>
       </p:sp>
@@ -14750,25 +14650,8 @@
                 <a:latin typeface="Times New Roman" panose="02020603050405020304" pitchFamily="18" charset="0"/>
                 <a:cs typeface="Times New Roman" panose="02020603050405020304" pitchFamily="18" charset="0"/>
               </a:rPr>
-              <a:t>7.2 </a:t>
-            </a:r>
-            <a:r>
-              <a:rPr lang="en-US" altLang="zh-CN" sz="4400" dirty="0" smtClean="0">
-                <a:solidFill>
-                  <a:srgbClr val="01A89C"/>
-                </a:solidFill>
-                <a:latin typeface="Times New Roman" panose="02020603050405020304" pitchFamily="18" charset="0"/>
-                <a:cs typeface="Times New Roman" panose="02020603050405020304" pitchFamily="18" charset="0"/>
-              </a:rPr>
-              <a:t>Experiment(3)</a:t>
-            </a:r>
-            <a:endParaRPr lang="en-US" altLang="zh-CN" sz="4400" dirty="0" smtClean="0">
-              <a:solidFill>
-                <a:srgbClr val="01A89C"/>
-              </a:solidFill>
-              <a:latin typeface="Times New Roman" panose="02020603050405020304" pitchFamily="18" charset="0"/>
-              <a:cs typeface="Times New Roman" panose="02020603050405020304" pitchFamily="18" charset="0"/>
-            </a:endParaRPr>
+              <a:t>7.2 Experiment(3)</a:t>
+            </a:r>
           </a:p>
         </p:txBody>
       </p:sp>
@@ -15126,25 +15009,8 @@
                 <a:latin typeface="Times New Roman" panose="02020603050405020304" pitchFamily="18" charset="0"/>
                 <a:cs typeface="Times New Roman" panose="02020603050405020304" pitchFamily="18" charset="0"/>
               </a:rPr>
-              <a:t>7.2 </a:t>
-            </a:r>
-            <a:r>
-              <a:rPr lang="en-US" altLang="zh-CN" sz="4400" dirty="0" smtClean="0">
-                <a:solidFill>
-                  <a:srgbClr val="01A89C"/>
-                </a:solidFill>
-                <a:latin typeface="Times New Roman" panose="02020603050405020304" pitchFamily="18" charset="0"/>
-                <a:cs typeface="Times New Roman" panose="02020603050405020304" pitchFamily="18" charset="0"/>
-              </a:rPr>
-              <a:t>Experiment(4)</a:t>
-            </a:r>
-            <a:endParaRPr lang="en-US" altLang="zh-CN" sz="4400" dirty="0" smtClean="0">
-              <a:solidFill>
-                <a:srgbClr val="01A89C"/>
-              </a:solidFill>
-              <a:latin typeface="Times New Roman" panose="02020603050405020304" pitchFamily="18" charset="0"/>
-              <a:cs typeface="Times New Roman" panose="02020603050405020304" pitchFamily="18" charset="0"/>
-            </a:endParaRPr>
+              <a:t>7.2 Experiment(4)</a:t>
+            </a:r>
           </a:p>
         </p:txBody>
       </p:sp>
@@ -15852,25 +15718,8 @@
                 <a:latin typeface="Times New Roman" panose="02020603050405020304" pitchFamily="18" charset="0"/>
                 <a:cs typeface="Times New Roman" panose="02020603050405020304" pitchFamily="18" charset="0"/>
               </a:rPr>
-              <a:t>8 </a:t>
-            </a:r>
-            <a:r>
-              <a:rPr lang="en-US" altLang="zh-CN" sz="4400" dirty="0" smtClean="0">
-                <a:solidFill>
-                  <a:srgbClr val="01A89C"/>
-                </a:solidFill>
-                <a:latin typeface="Times New Roman" panose="02020603050405020304" pitchFamily="18" charset="0"/>
-                <a:cs typeface="Times New Roman" panose="02020603050405020304" pitchFamily="18" charset="0"/>
-              </a:rPr>
-              <a:t>Thinking</a:t>
-            </a:r>
-            <a:endParaRPr lang="en-US" altLang="zh-CN" sz="4400" dirty="0" smtClean="0">
-              <a:solidFill>
-                <a:srgbClr val="01A89C"/>
-              </a:solidFill>
-              <a:latin typeface="Times New Roman" panose="02020603050405020304" pitchFamily="18" charset="0"/>
-              <a:cs typeface="Times New Roman" panose="02020603050405020304" pitchFamily="18" charset="0"/>
-            </a:endParaRPr>
+              <a:t>8 Thinking</a:t>
+            </a:r>
           </a:p>
         </p:txBody>
       </p:sp>
@@ -16125,7 +15974,7 @@
               <a:rPr lang="en-US" altLang="zh-CN" sz="2000" b="1" dirty="0" smtClean="0">
                 <a:latin typeface="Times New Roman" panose="02020603050405020304" pitchFamily="18" charset="0"/>
               </a:rPr>
-              <a:t>Semantic</a:t>
+              <a:t>Sentiment</a:t>
             </a:r>
           </a:p>
           <a:p>
@@ -16150,8 +15999,17 @@
               <a:rPr lang="en-US" altLang="zh-CN" sz="2000" b="1" dirty="0" smtClean="0">
                 <a:latin typeface="Times New Roman" panose="02020603050405020304" pitchFamily="18" charset="0"/>
               </a:rPr>
-              <a:t>mprove logical</a:t>
-            </a:r>
+              <a:t>mprove logical </a:t>
+            </a:r>
+            <a:r>
+              <a:rPr lang="en-US" altLang="zh-CN" sz="2000" b="1" dirty="0">
+                <a:latin typeface="Times New Roman" panose="02020603050405020304" pitchFamily="18" charset="0"/>
+              </a:rPr>
+              <a:t>and semantic consistency</a:t>
+            </a:r>
+            <a:endParaRPr lang="en-US" altLang="zh-CN" sz="2000" b="1" dirty="0" smtClean="0">
+              <a:latin typeface="Times New Roman" panose="02020603050405020304" pitchFamily="18" charset="0"/>
+            </a:endParaRPr>
           </a:p>
           <a:p>
             <a:pPr marL="1200150" lvl="1" indent="-457200">
@@ -18030,8 +17888,13 @@
           <a:p>
             <a:r>
               <a:rPr lang="en-US" altLang="zh-CN" sz="2000" b="1" dirty="0" smtClean="0"/>
-              <a:t>Conversation example:</a:t>
-            </a:r>
+              <a:t>A dialog session</a:t>
+            </a:r>
+            <a:r>
+              <a:rPr lang="en-US" altLang="zh-CN" sz="2000" b="1" dirty="0" smtClean="0"/>
+              <a:t>:</a:t>
+            </a:r>
+            <a:endParaRPr lang="en-US" altLang="zh-CN" sz="2000" b="1" dirty="0" smtClean="0"/>
           </a:p>
           <a:p>
             <a:endParaRPr lang="en-US" altLang="zh-CN" sz="2000" b="1" dirty="0" smtClean="0">
@@ -19574,7 +19437,22 @@
               <a:rPr lang="en-US" altLang="zh-CN" sz="2400" b="1" dirty="0">
                 <a:latin typeface="Times New Roman" panose="02020603050405020304" pitchFamily="18" charset="0"/>
               </a:rPr>
-              <a:t>to identify the relevant words to eﬀectively guide the response generation</a:t>
+              <a:t>to </a:t>
+            </a:r>
+            <a:r>
+              <a:rPr lang="en-US" altLang="zh-CN" sz="2400" b="1" dirty="0">
+                <a:solidFill>
+                  <a:srgbClr val="FF0000"/>
+                </a:solidFill>
+                <a:latin typeface="Times New Roman" panose="02020603050405020304" pitchFamily="18" charset="0"/>
+              </a:rPr>
+              <a:t>identify the relevant words </a:t>
+            </a:r>
+            <a:r>
+              <a:rPr lang="en-US" altLang="zh-CN" sz="2400" b="1" dirty="0">
+                <a:latin typeface="Times New Roman" panose="02020603050405020304" pitchFamily="18" charset="0"/>
+              </a:rPr>
+              <a:t>to eﬀectively guide the response generation</a:t>
             </a:r>
             <a:r>
               <a:rPr lang="en-US" altLang="zh-CN" sz="2400" b="1" dirty="0" smtClean="0">
@@ -19596,7 +19474,37 @@
               <a:rPr lang="en-US" altLang="zh-CN" sz="2400" b="1" dirty="0">
                 <a:latin typeface="Times New Roman" panose="02020603050405020304" pitchFamily="18" charset="0"/>
               </a:rPr>
-              <a:t>2) How to avoid dull responses and generate responses that are not only relevant but also capable of deepening and widening the dialog topics</a:t>
+              <a:t>2) How to avoid dull responses and generate responses that are not only </a:t>
+            </a:r>
+            <a:r>
+              <a:rPr lang="en-US" altLang="zh-CN" sz="2400" b="1" dirty="0">
+                <a:solidFill>
+                  <a:srgbClr val="FF0000"/>
+                </a:solidFill>
+                <a:latin typeface="Times New Roman" panose="02020603050405020304" pitchFamily="18" charset="0"/>
+              </a:rPr>
+              <a:t>relevant</a:t>
+            </a:r>
+            <a:r>
+              <a:rPr lang="en-US" altLang="zh-CN" sz="2400" b="1" dirty="0">
+                <a:latin typeface="Times New Roman" panose="02020603050405020304" pitchFamily="18" charset="0"/>
+              </a:rPr>
+              <a:t> but also capable of </a:t>
+            </a:r>
+            <a:r>
+              <a:rPr lang="en-US" altLang="zh-CN" sz="2400" b="1" dirty="0">
+                <a:solidFill>
+                  <a:srgbClr val="FF0000"/>
+                </a:solidFill>
+                <a:latin typeface="Times New Roman" panose="02020603050405020304" pitchFamily="18" charset="0"/>
+              </a:rPr>
+              <a:t>deepening and widening</a:t>
+            </a:r>
+            <a:r>
+              <a:rPr lang="en-US" altLang="zh-CN" sz="2400" b="1" dirty="0">
+                <a:latin typeface="Times New Roman" panose="02020603050405020304" pitchFamily="18" charset="0"/>
+              </a:rPr>
+              <a:t> the dialog topics</a:t>
             </a:r>
             <a:r>
               <a:rPr lang="en-US" altLang="zh-CN" sz="2400" b="1" dirty="0" smtClean="0">
@@ -19615,7 +19523,22 @@
               <a:rPr lang="en-US" altLang="zh-CN" sz="2400" b="1" dirty="0">
                 <a:latin typeface="Times New Roman" panose="02020603050405020304" pitchFamily="18" charset="0"/>
               </a:rPr>
-              <a:t>3) How to construct a large-scale dataset for generation-based models?</a:t>
+              <a:t>3) How to construct a </a:t>
+            </a:r>
+            <a:r>
+              <a:rPr lang="en-US" altLang="zh-CN" sz="2400" b="1" dirty="0">
+                <a:solidFill>
+                  <a:srgbClr val="FF0000"/>
+                </a:solidFill>
+                <a:latin typeface="Times New Roman" panose="02020603050405020304" pitchFamily="18" charset="0"/>
+              </a:rPr>
+              <a:t>large-scale dataset </a:t>
+            </a:r>
+            <a:r>
+              <a:rPr lang="en-US" altLang="zh-CN" sz="2400" b="1" dirty="0">
+                <a:latin typeface="Times New Roman" panose="02020603050405020304" pitchFamily="18" charset="0"/>
+              </a:rPr>
+              <a:t>for generation-based models?</a:t>
             </a:r>
           </a:p>
           <a:p>
@@ -20453,17 +20376,7 @@
                 <a:latin typeface="Times New Roman" panose="02020603050405020304" pitchFamily="18" charset="0"/>
                 <a:cs typeface="Times New Roman" panose="02020603050405020304" pitchFamily="18" charset="0"/>
               </a:rPr>
-              <a:t>6 </a:t>
-            </a:r>
-            <a:r>
-              <a:rPr lang="en-US" altLang="zh-CN" sz="4400" dirty="0" smtClean="0">
-                <a:solidFill>
-                  <a:srgbClr val="01A89C"/>
-                </a:solidFill>
-                <a:latin typeface="Times New Roman" panose="02020603050405020304" pitchFamily="18" charset="0"/>
-                <a:cs typeface="Times New Roman" panose="02020603050405020304" pitchFamily="18" charset="0"/>
-              </a:rPr>
-              <a:t>Model-</a:t>
+              <a:t>6 Model-</a:t>
             </a:r>
             <a:r>
               <a:rPr lang="en-US" altLang="zh-CN" sz="4400" dirty="0" err="1" smtClean="0">
@@ -23201,8 +23114,8 @@
         </p:nvSpPr>
         <p:spPr>
           <a:xfrm>
-            <a:off x="6385033" y="3168869"/>
-            <a:ext cx="835572" cy="441434"/>
+            <a:off x="4695986" y="2867186"/>
+            <a:ext cx="4045058" cy="976393"/>
           </a:xfrm>
           <a:prstGeom prst="roundRect">
             <a:avLst/>
@@ -23252,88 +23165,9 @@
   <p:timing>
     <p:tnLst>
       <p:par>
-        <p:cTn id="1" dur="indefinite" restart="never" nodeType="tmRoot">
-          <p:childTnLst>
-            <p:seq concurrent="1" nextAc="seek">
-              <p:cTn id="2" dur="indefinite" nodeType="mainSeq">
-                <p:childTnLst>
-                  <p:par>
-                    <p:cTn id="3" fill="hold">
-                      <p:stCondLst>
-                        <p:cond delay="indefinite"/>
-                      </p:stCondLst>
-                      <p:childTnLst>
-                        <p:par>
-                          <p:cTn id="4" fill="hold">
-                            <p:stCondLst>
-                              <p:cond delay="0"/>
-                            </p:stCondLst>
-                            <p:childTnLst>
-                              <p:par>
-                                <p:cTn id="5" presetID="22" presetClass="entr" presetSubtype="4" fill="hold" grpId="0" nodeType="clickEffect">
-                                  <p:stCondLst>
-                                    <p:cond delay="0"/>
-                                  </p:stCondLst>
-                                  <p:childTnLst>
-                                    <p:set>
-                                      <p:cBhvr>
-                                        <p:cTn id="6" dur="1" fill="hold">
-                                          <p:stCondLst>
-                                            <p:cond delay="0"/>
-                                          </p:stCondLst>
-                                        </p:cTn>
-                                        <p:tgtEl>
-                                          <p:spTgt spid="7"/>
-                                        </p:tgtEl>
-                                        <p:attrNameLst>
-                                          <p:attrName>style.visibility</p:attrName>
-                                        </p:attrNameLst>
-                                      </p:cBhvr>
-                                      <p:to>
-                                        <p:strVal val="visible"/>
-                                      </p:to>
-                                    </p:set>
-                                    <p:animEffect transition="in" filter="wipe(down)">
-                                      <p:cBhvr>
-                                        <p:cTn id="7" dur="10"/>
-                                        <p:tgtEl>
-                                          <p:spTgt spid="7"/>
-                                        </p:tgtEl>
-                                      </p:cBhvr>
-                                    </p:animEffect>
-                                  </p:childTnLst>
-                                </p:cTn>
-                              </p:par>
-                            </p:childTnLst>
-                          </p:cTn>
-                        </p:par>
-                      </p:childTnLst>
-                    </p:cTn>
-                  </p:par>
-                </p:childTnLst>
-              </p:cTn>
-              <p:prevCondLst>
-                <p:cond evt="onPrev" delay="0">
-                  <p:tgtEl>
-                    <p:sldTgt/>
-                  </p:tgtEl>
-                </p:cond>
-              </p:prevCondLst>
-              <p:nextCondLst>
-                <p:cond evt="onNext" delay="0">
-                  <p:tgtEl>
-                    <p:sldTgt/>
-                  </p:tgtEl>
-                </p:cond>
-              </p:nextCondLst>
-            </p:seq>
-          </p:childTnLst>
-        </p:cTn>
+        <p:cTn id="1" dur="indefinite" restart="never" nodeType="tmRoot"/>
       </p:par>
     </p:tnLst>
-    <p:bldLst>
-      <p:bldP spid="7" grpId="0" animBg="1"/>
-    </p:bldLst>
   </p:timing>
 </p:sld>
 </file>
